--- a/20150511 MYSITE_BOARD 시안.pptx
+++ b/20150511 MYSITE_BOARD 시안.pptx
@@ -8,6 +8,7 @@
     <p:sldId id="257" r:id="rId2"/>
     <p:sldId id="258" r:id="rId3"/>
     <p:sldId id="259" r:id="rId4"/>
+    <p:sldId id="260" r:id="rId5"/>
   </p:sldIdLst>
   <p:sldSz cx="9144000" cy="6858000" type="screen4x3"/>
   <p:notesSz cx="6858000" cy="9144000"/>
@@ -4733,7 +4734,7 @@
         <p:spPr>
           <a:xfrm>
             <a:off x="827584" y="476672"/>
-            <a:ext cx="1146468" cy="369332"/>
+            <a:ext cx="2165978" cy="369332"/>
           </a:xfrm>
           <a:prstGeom prst="rect">
             <a:avLst/>
@@ -4747,7 +4748,7 @@
           <a:lstStyle/>
           <a:p>
             <a:r>
-              <a:rPr lang="ko-KR" altLang="en-US" b="1" spc="-300" smtClean="0">
+              <a:rPr lang="ko-KR" altLang="en-US" b="1" spc="-300" dirty="0" smtClean="0">
                 <a:effectLst>
                   <a:outerShdw blurRad="38100" dist="38100" dir="2700000" algn="tl">
                     <a:srgbClr val="000000">
@@ -4756,10 +4757,10 @@
                   </a:outerShdw>
                 </a:effectLst>
               </a:rPr>
-              <a:t>자유게시</a:t>
-            </a:r>
-            <a:r>
-              <a:rPr lang="ko-KR" altLang="en-US" b="1" spc="-300">
+              <a:t>자유게시판</a:t>
+            </a:r>
+            <a:r>
+              <a:rPr lang="en-US" altLang="ko-KR" b="1" spc="-300" dirty="0" smtClean="0">
                 <a:effectLst>
                   <a:outerShdw blurRad="38100" dist="38100" dir="2700000" algn="tl">
                     <a:srgbClr val="000000">
@@ -4768,8 +4769,73 @@
                   </a:outerShdw>
                 </a:effectLst>
               </a:rPr>
-              <a:t>판</a:t>
-            </a:r>
+              <a:t>-</a:t>
+            </a:r>
+            <a:r>
+              <a:rPr lang="ko-KR" altLang="en-US" b="1" spc="-300" dirty="0" smtClean="0">
+                <a:effectLst>
+                  <a:outerShdw blurRad="38100" dist="38100" dir="2700000" algn="tl">
+                    <a:srgbClr val="000000">
+                      <a:alpha val="43137"/>
+                    </a:srgbClr>
+                  </a:outerShdw>
+                </a:effectLst>
+              </a:rPr>
+              <a:t>리스트보기</a:t>
+            </a:r>
+            <a:endParaRPr lang="ko-KR" altLang="en-US" b="1" spc="-300" dirty="0">
+              <a:effectLst>
+                <a:outerShdw blurRad="38100" dist="38100" dir="2700000" algn="tl">
+                  <a:srgbClr val="000000">
+                    <a:alpha val="43137"/>
+                  </a:srgbClr>
+                </a:outerShdw>
+              </a:effectLst>
+            </a:endParaRPr>
+          </a:p>
+        </p:txBody>
+      </p:sp>
+      <p:sp>
+        <p:nvSpPr>
+          <p:cNvPr id="10" name="TextBox 9"/>
+          <p:cNvSpPr txBox="1"/>
+          <p:nvPr/>
+        </p:nvSpPr>
+        <p:spPr>
+          <a:xfrm>
+            <a:off x="827584" y="5805264"/>
+            <a:ext cx="1440160" cy="246221"/>
+          </a:xfrm>
+          <a:prstGeom prst="rect">
+            <a:avLst/>
+          </a:prstGeom>
+        </p:spPr>
+        <p:style>
+          <a:lnRef idx="3">
+            <a:schemeClr val="lt1"/>
+          </a:lnRef>
+          <a:fillRef idx="1">
+            <a:schemeClr val="accent1"/>
+          </a:fillRef>
+          <a:effectRef idx="1">
+            <a:schemeClr val="accent1"/>
+          </a:effectRef>
+          <a:fontRef idx="minor">
+            <a:schemeClr val="lt1"/>
+          </a:fontRef>
+        </p:style>
+        <p:txBody>
+          <a:bodyPr wrap="square" rtlCol="0">
+            <a:spAutoFit/>
+          </a:bodyPr>
+          <a:lstStyle/>
+          <a:p>
+            <a:pPr algn="ctr"/>
+            <a:r>
+              <a:rPr lang="ko-KR" altLang="en-US" sz="1000" b="1" dirty="0" smtClean="0"/>
+              <a:t>내가 쓴 글 보기</a:t>
+            </a:r>
+            <a:endParaRPr lang="ko-KR" altLang="en-US" sz="1000" b="1" dirty="0"/>
           </a:p>
         </p:txBody>
       </p:sp>
@@ -5842,7 +5908,7 @@
         <p:spPr>
           <a:xfrm>
             <a:off x="827584" y="476672"/>
-            <a:ext cx="1146468" cy="369332"/>
+            <a:ext cx="1973617" cy="369332"/>
           </a:xfrm>
           <a:prstGeom prst="rect">
             <a:avLst/>
@@ -5856,7 +5922,7 @@
           <a:lstStyle/>
           <a:p>
             <a:r>
-              <a:rPr lang="ko-KR" altLang="en-US" b="1" spc="-300" smtClean="0">
+              <a:rPr lang="ko-KR" altLang="en-US" b="1" spc="-300" dirty="0" smtClean="0">
                 <a:effectLst>
                   <a:outerShdw blurRad="38100" dist="38100" dir="2700000" algn="tl">
                     <a:srgbClr val="000000">
@@ -5865,10 +5931,10 @@
                   </a:outerShdw>
                 </a:effectLst>
               </a:rPr>
-              <a:t>자유게시</a:t>
-            </a:r>
-            <a:r>
-              <a:rPr lang="ko-KR" altLang="en-US" b="1" spc="-300">
+              <a:t>자유게시판</a:t>
+            </a:r>
+            <a:r>
+              <a:rPr lang="en-US" altLang="ko-KR" b="1" spc="-300" dirty="0" smtClean="0">
                 <a:effectLst>
                   <a:outerShdw blurRad="38100" dist="38100" dir="2700000" algn="tl">
                     <a:srgbClr val="000000">
@@ -5877,8 +5943,29 @@
                   </a:outerShdw>
                 </a:effectLst>
               </a:rPr>
-              <a:t>판</a:t>
-            </a:r>
+              <a:t>-</a:t>
+            </a:r>
+            <a:r>
+              <a:rPr lang="ko-KR" altLang="en-US" b="1" spc="-300" dirty="0" smtClean="0">
+                <a:effectLst>
+                  <a:outerShdw blurRad="38100" dist="38100" dir="2700000" algn="tl">
+                    <a:srgbClr val="000000">
+                      <a:alpha val="43137"/>
+                    </a:srgbClr>
+                  </a:outerShdw>
+                </a:effectLst>
+              </a:rPr>
+              <a:t>상세보기</a:t>
+            </a:r>
+            <a:endParaRPr lang="ko-KR" altLang="en-US" b="1" spc="-300" dirty="0">
+              <a:effectLst>
+                <a:outerShdw blurRad="38100" dist="38100" dir="2700000" algn="tl">
+                  <a:srgbClr val="000000">
+                    <a:alpha val="43137"/>
+                  </a:srgbClr>
+                </a:outerShdw>
+              </a:effectLst>
+            </a:endParaRPr>
           </a:p>
         </p:txBody>
       </p:sp>
@@ -5960,6 +6047,50 @@
             <a:r>
               <a:rPr lang="ko-KR" altLang="en-US" sz="1000" b="1" dirty="0" smtClean="0"/>
               <a:t>검색</a:t>
+            </a:r>
+            <a:endParaRPr lang="ko-KR" altLang="en-US" sz="1000" b="1" dirty="0"/>
+          </a:p>
+        </p:txBody>
+      </p:sp>
+      <p:sp>
+        <p:nvSpPr>
+          <p:cNvPr id="11" name="TextBox 10"/>
+          <p:cNvSpPr txBox="1"/>
+          <p:nvPr/>
+        </p:nvSpPr>
+        <p:spPr>
+          <a:xfrm>
+            <a:off x="827584" y="6165304"/>
+            <a:ext cx="1440160" cy="246221"/>
+          </a:xfrm>
+          <a:prstGeom prst="rect">
+            <a:avLst/>
+          </a:prstGeom>
+        </p:spPr>
+        <p:style>
+          <a:lnRef idx="3">
+            <a:schemeClr val="lt1"/>
+          </a:lnRef>
+          <a:fillRef idx="1">
+            <a:schemeClr val="accent1"/>
+          </a:fillRef>
+          <a:effectRef idx="1">
+            <a:schemeClr val="accent1"/>
+          </a:effectRef>
+          <a:fontRef idx="minor">
+            <a:schemeClr val="lt1"/>
+          </a:fontRef>
+        </p:style>
+        <p:txBody>
+          <a:bodyPr wrap="square" rtlCol="0">
+            <a:spAutoFit/>
+          </a:bodyPr>
+          <a:lstStyle/>
+          <a:p>
+            <a:pPr algn="ctr"/>
+            <a:r>
+              <a:rPr lang="ko-KR" altLang="en-US" sz="1000" b="1" dirty="0" smtClean="0"/>
+              <a:t>내가 쓴 글 보기</a:t>
             </a:r>
             <a:endParaRPr lang="ko-KR" altLang="en-US" sz="1000" b="1" dirty="0"/>
           </a:p>
@@ -5999,7 +6130,7 @@
         <p:spPr>
           <a:xfrm>
             <a:off x="827584" y="476672"/>
-            <a:ext cx="1146468" cy="369332"/>
+            <a:ext cx="1973617" cy="369332"/>
           </a:xfrm>
           <a:prstGeom prst="rect">
             <a:avLst/>
@@ -6013,7 +6144,7 @@
           <a:lstStyle/>
           <a:p>
             <a:r>
-              <a:rPr lang="ko-KR" altLang="en-US" b="1" spc="-300" smtClean="0">
+              <a:rPr lang="ko-KR" altLang="en-US" b="1" spc="-300" dirty="0" smtClean="0">
                 <a:effectLst>
                   <a:outerShdw blurRad="38100" dist="38100" dir="2700000" algn="tl">
                     <a:srgbClr val="000000">
@@ -6022,10 +6153,10 @@
                   </a:outerShdw>
                 </a:effectLst>
               </a:rPr>
-              <a:t>자유게시</a:t>
-            </a:r>
-            <a:r>
-              <a:rPr lang="ko-KR" altLang="en-US" b="1" spc="-300">
+              <a:t>자유게시판</a:t>
+            </a:r>
+            <a:r>
+              <a:rPr lang="en-US" altLang="ko-KR" b="1" spc="-300" dirty="0" smtClean="0">
                 <a:effectLst>
                   <a:outerShdw blurRad="38100" dist="38100" dir="2700000" algn="tl">
                     <a:srgbClr val="000000">
@@ -6034,8 +6165,29 @@
                   </a:outerShdw>
                 </a:effectLst>
               </a:rPr>
-              <a:t>판</a:t>
-            </a:r>
+              <a:t>-</a:t>
+            </a:r>
+            <a:r>
+              <a:rPr lang="ko-KR" altLang="en-US" b="1" spc="-300" dirty="0" err="1" smtClean="0">
+                <a:effectLst>
+                  <a:outerShdw blurRad="38100" dist="38100" dir="2700000" algn="tl">
+                    <a:srgbClr val="000000">
+                      <a:alpha val="43137"/>
+                    </a:srgbClr>
+                  </a:outerShdw>
+                </a:effectLst>
+              </a:rPr>
+              <a:t>새글쓰기</a:t>
+            </a:r>
+            <a:endParaRPr lang="ko-KR" altLang="en-US" b="1" spc="-300" dirty="0">
+              <a:effectLst>
+                <a:outerShdw blurRad="38100" dist="38100" dir="2700000" algn="tl">
+                  <a:srgbClr val="000000">
+                    <a:alpha val="43137"/>
+                  </a:srgbClr>
+                </a:outerShdw>
+              </a:effectLst>
+            </a:endParaRPr>
           </a:p>
         </p:txBody>
       </p:sp>
@@ -6074,6 +6226,628 @@
                           <a:ea typeface="맑은 고딕" pitchFamily="50" charset="-127"/>
                         </a:rPr>
                         <a:t> WRITE NEW MESSAGE</a:t>
+                      </a:r>
+                      <a:endParaRPr lang="ko-KR" altLang="en-US" b="1" spc="-300" dirty="0">
+                        <a:latin typeface="맑은 고딕" pitchFamily="50" charset="-127"/>
+                        <a:ea typeface="맑은 고딕" pitchFamily="50" charset="-127"/>
+                      </a:endParaRPr>
+                    </a:p>
+                  </a:txBody>
+                  <a:tcPr>
+                    <a:lnL w="12700" cap="flat" cmpd="sng" algn="ctr">
+                      <a:solidFill>
+                        <a:schemeClr val="tx1"/>
+                      </a:solidFill>
+                      <a:prstDash val="solid"/>
+                      <a:round/>
+                      <a:headEnd type="none" w="med" len="med"/>
+                      <a:tailEnd type="none" w="med" len="med"/>
+                    </a:lnL>
+                    <a:lnR w="12700" cap="flat" cmpd="sng" algn="ctr">
+                      <a:solidFill>
+                        <a:schemeClr val="tx1"/>
+                      </a:solidFill>
+                      <a:prstDash val="solid"/>
+                      <a:round/>
+                      <a:headEnd type="none" w="med" len="med"/>
+                      <a:tailEnd type="none" w="med" len="med"/>
+                    </a:lnR>
+                    <a:lnT w="12700" cap="flat" cmpd="sng" algn="ctr">
+                      <a:solidFill>
+                        <a:schemeClr val="tx1"/>
+                      </a:solidFill>
+                      <a:prstDash val="solid"/>
+                      <a:round/>
+                      <a:headEnd type="none" w="med" len="med"/>
+                      <a:tailEnd type="none" w="med" len="med"/>
+                    </a:lnT>
+                    <a:lnB w="12700" cap="flat" cmpd="sng" algn="ctr">
+                      <a:solidFill>
+                        <a:schemeClr val="tx1"/>
+                      </a:solidFill>
+                      <a:prstDash val="solid"/>
+                      <a:round/>
+                      <a:headEnd type="none" w="med" len="med"/>
+                      <a:tailEnd type="none" w="med" len="med"/>
+                    </a:lnB>
+                    <a:lnTlToBr w="12700" cmpd="sng">
+                      <a:noFill/>
+                      <a:prstDash val="solid"/>
+                    </a:lnTlToBr>
+                    <a:lnBlToTr w="12700" cmpd="sng">
+                      <a:noFill/>
+                      <a:prstDash val="solid"/>
+                    </a:lnBlToTr>
+                  </a:tcPr>
+                </a:tc>
+                <a:tc hMerge="1">
+                  <a:txBody>
+                    <a:bodyPr/>
+                    <a:lstStyle/>
+                    <a:p>
+                      <a:pPr latinLnBrk="1"/>
+                      <a:endParaRPr lang="ko-KR" altLang="en-US"/>
+                    </a:p>
+                  </a:txBody>
+                  <a:tcPr/>
+                </a:tc>
+              </a:tr>
+              <a:tr h="340854">
+                <a:tc>
+                  <a:txBody>
+                    <a:bodyPr/>
+                    <a:lstStyle/>
+                    <a:p>
+                      <a:pPr algn="ctr" latinLnBrk="1"/>
+                      <a:r>
+                        <a:rPr lang="en-US" altLang="ko-KR" b="0" spc="-300" dirty="0" smtClean="0">
+                          <a:latin typeface="맑은 고딕" pitchFamily="50" charset="-127"/>
+                          <a:ea typeface="맑은 고딕" pitchFamily="50" charset="-127"/>
+                        </a:rPr>
+                        <a:t>TITLE</a:t>
+                      </a:r>
+                      <a:endParaRPr lang="ko-KR" altLang="en-US" b="0" spc="-300" dirty="0">
+                        <a:latin typeface="맑은 고딕" pitchFamily="50" charset="-127"/>
+                        <a:ea typeface="맑은 고딕" pitchFamily="50" charset="-127"/>
+                      </a:endParaRPr>
+                    </a:p>
+                  </a:txBody>
+                  <a:tcPr>
+                    <a:lnL w="12700" cap="flat" cmpd="sng" algn="ctr">
+                      <a:solidFill>
+                        <a:schemeClr val="tx1"/>
+                      </a:solidFill>
+                      <a:prstDash val="solid"/>
+                      <a:round/>
+                      <a:headEnd type="none" w="med" len="med"/>
+                      <a:tailEnd type="none" w="med" len="med"/>
+                    </a:lnL>
+                    <a:lnR w="12700" cap="flat" cmpd="sng" algn="ctr">
+                      <a:solidFill>
+                        <a:schemeClr val="tx1"/>
+                      </a:solidFill>
+                      <a:prstDash val="solid"/>
+                      <a:round/>
+                      <a:headEnd type="none" w="med" len="med"/>
+                      <a:tailEnd type="none" w="med" len="med"/>
+                    </a:lnR>
+                    <a:lnT w="12700" cap="flat" cmpd="sng" algn="ctr">
+                      <a:solidFill>
+                        <a:schemeClr val="tx1"/>
+                      </a:solidFill>
+                      <a:prstDash val="solid"/>
+                      <a:round/>
+                      <a:headEnd type="none" w="med" len="med"/>
+                      <a:tailEnd type="none" w="med" len="med"/>
+                    </a:lnT>
+                    <a:lnB w="12700" cap="flat" cmpd="sng" algn="ctr">
+                      <a:solidFill>
+                        <a:schemeClr val="tx1"/>
+                      </a:solidFill>
+                      <a:prstDash val="solid"/>
+                      <a:round/>
+                      <a:headEnd type="none" w="med" len="med"/>
+                      <a:tailEnd type="none" w="med" len="med"/>
+                    </a:lnB>
+                    <a:lnTlToBr w="12700" cmpd="sng">
+                      <a:noFill/>
+                      <a:prstDash val="solid"/>
+                    </a:lnTlToBr>
+                    <a:lnBlToTr w="12700" cmpd="sng">
+                      <a:noFill/>
+                      <a:prstDash val="solid"/>
+                    </a:lnBlToTr>
+                  </a:tcPr>
+                </a:tc>
+                <a:tc>
+                  <a:txBody>
+                    <a:bodyPr/>
+                    <a:lstStyle/>
+                    <a:p>
+                      <a:pPr latinLnBrk="1"/>
+                      <a:endParaRPr lang="ko-KR" altLang="en-US" dirty="0"/>
+                    </a:p>
+                  </a:txBody>
+                  <a:tcPr>
+                    <a:lnL w="12700" cap="flat" cmpd="sng" algn="ctr">
+                      <a:solidFill>
+                        <a:schemeClr val="tx1"/>
+                      </a:solidFill>
+                      <a:prstDash val="solid"/>
+                      <a:round/>
+                      <a:headEnd type="none" w="med" len="med"/>
+                      <a:tailEnd type="none" w="med" len="med"/>
+                    </a:lnL>
+                    <a:lnR w="12700" cap="flat" cmpd="sng" algn="ctr">
+                      <a:solidFill>
+                        <a:schemeClr val="tx1"/>
+                      </a:solidFill>
+                      <a:prstDash val="solid"/>
+                      <a:round/>
+                      <a:headEnd type="none" w="med" len="med"/>
+                      <a:tailEnd type="none" w="med" len="med"/>
+                    </a:lnR>
+                    <a:lnT w="12700" cap="flat" cmpd="sng" algn="ctr">
+                      <a:solidFill>
+                        <a:schemeClr val="tx1"/>
+                      </a:solidFill>
+                      <a:prstDash val="solid"/>
+                      <a:round/>
+                      <a:headEnd type="none" w="med" len="med"/>
+                      <a:tailEnd type="none" w="med" len="med"/>
+                    </a:lnT>
+                    <a:lnB w="12700" cap="flat" cmpd="sng" algn="ctr">
+                      <a:solidFill>
+                        <a:schemeClr val="tx1"/>
+                      </a:solidFill>
+                      <a:prstDash val="solid"/>
+                      <a:round/>
+                      <a:headEnd type="none" w="med" len="med"/>
+                      <a:tailEnd type="none" w="med" len="med"/>
+                    </a:lnB>
+                    <a:lnTlToBr w="12700" cmpd="sng">
+                      <a:noFill/>
+                      <a:prstDash val="solid"/>
+                    </a:lnTlToBr>
+                    <a:lnBlToTr w="12700" cmpd="sng">
+                      <a:noFill/>
+                      <a:prstDash val="solid"/>
+                    </a:lnBlToTr>
+                  </a:tcPr>
+                </a:tc>
+              </a:tr>
+              <a:tr h="4210101">
+                <a:tc>
+                  <a:txBody>
+                    <a:bodyPr/>
+                    <a:lstStyle/>
+                    <a:p>
+                      <a:pPr algn="ctr" latinLnBrk="1"/>
+                      <a:r>
+                        <a:rPr lang="en-US" altLang="ko-KR" b="0" spc="-300" dirty="0" smtClean="0">
+                          <a:latin typeface="맑은 고딕" pitchFamily="50" charset="-127"/>
+                          <a:ea typeface="맑은 고딕" pitchFamily="50" charset="-127"/>
+                        </a:rPr>
+                        <a:t>CONTENT</a:t>
+                      </a:r>
+                      <a:endParaRPr lang="ko-KR" altLang="en-US" b="0" spc="-300" dirty="0">
+                        <a:latin typeface="맑은 고딕" pitchFamily="50" charset="-127"/>
+                        <a:ea typeface="맑은 고딕" pitchFamily="50" charset="-127"/>
+                      </a:endParaRPr>
+                    </a:p>
+                  </a:txBody>
+                  <a:tcPr>
+                    <a:lnL w="12700" cap="flat" cmpd="sng" algn="ctr">
+                      <a:solidFill>
+                        <a:schemeClr val="tx1"/>
+                      </a:solidFill>
+                      <a:prstDash val="solid"/>
+                      <a:round/>
+                      <a:headEnd type="none" w="med" len="med"/>
+                      <a:tailEnd type="none" w="med" len="med"/>
+                    </a:lnL>
+                    <a:lnR w="12700" cap="flat" cmpd="sng" algn="ctr">
+                      <a:solidFill>
+                        <a:schemeClr val="tx1"/>
+                      </a:solidFill>
+                      <a:prstDash val="solid"/>
+                      <a:round/>
+                      <a:headEnd type="none" w="med" len="med"/>
+                      <a:tailEnd type="none" w="med" len="med"/>
+                    </a:lnR>
+                    <a:lnT w="12700" cap="flat" cmpd="sng" algn="ctr">
+                      <a:solidFill>
+                        <a:schemeClr val="tx1"/>
+                      </a:solidFill>
+                      <a:prstDash val="solid"/>
+                      <a:round/>
+                      <a:headEnd type="none" w="med" len="med"/>
+                      <a:tailEnd type="none" w="med" len="med"/>
+                    </a:lnT>
+                    <a:lnB w="12700" cap="flat" cmpd="sng" algn="ctr">
+                      <a:solidFill>
+                        <a:schemeClr val="tx1"/>
+                      </a:solidFill>
+                      <a:prstDash val="solid"/>
+                      <a:round/>
+                      <a:headEnd type="none" w="med" len="med"/>
+                      <a:tailEnd type="none" w="med" len="med"/>
+                    </a:lnB>
+                    <a:lnTlToBr w="12700" cmpd="sng">
+                      <a:noFill/>
+                      <a:prstDash val="solid"/>
+                    </a:lnTlToBr>
+                    <a:lnBlToTr w="12700" cmpd="sng">
+                      <a:noFill/>
+                      <a:prstDash val="solid"/>
+                    </a:lnBlToTr>
+                  </a:tcPr>
+                </a:tc>
+                <a:tc>
+                  <a:txBody>
+                    <a:bodyPr/>
+                    <a:lstStyle/>
+                    <a:p>
+                      <a:pPr algn="l" latinLnBrk="1"/>
+                      <a:endParaRPr lang="ko-KR" altLang="en-US" b="0" spc="-300" dirty="0">
+                        <a:latin typeface="맑은 고딕" pitchFamily="50" charset="-127"/>
+                        <a:ea typeface="맑은 고딕" pitchFamily="50" charset="-127"/>
+                      </a:endParaRPr>
+                    </a:p>
+                  </a:txBody>
+                  <a:tcPr>
+                    <a:lnL w="12700" cap="flat" cmpd="sng" algn="ctr">
+                      <a:solidFill>
+                        <a:schemeClr val="tx1"/>
+                      </a:solidFill>
+                      <a:prstDash val="solid"/>
+                      <a:round/>
+                      <a:headEnd type="none" w="med" len="med"/>
+                      <a:tailEnd type="none" w="med" len="med"/>
+                    </a:lnL>
+                    <a:lnR w="12700" cap="flat" cmpd="sng" algn="ctr">
+                      <a:solidFill>
+                        <a:schemeClr val="tx1"/>
+                      </a:solidFill>
+                      <a:prstDash val="solid"/>
+                      <a:round/>
+                      <a:headEnd type="none" w="med" len="med"/>
+                      <a:tailEnd type="none" w="med" len="med"/>
+                    </a:lnR>
+                    <a:lnT w="12700" cap="flat" cmpd="sng" algn="ctr">
+                      <a:solidFill>
+                        <a:schemeClr val="tx1"/>
+                      </a:solidFill>
+                      <a:prstDash val="solid"/>
+                      <a:round/>
+                      <a:headEnd type="none" w="med" len="med"/>
+                      <a:tailEnd type="none" w="med" len="med"/>
+                    </a:lnT>
+                    <a:lnB w="12700" cap="flat" cmpd="sng" algn="ctr">
+                      <a:solidFill>
+                        <a:schemeClr val="tx1"/>
+                      </a:solidFill>
+                      <a:prstDash val="solid"/>
+                      <a:round/>
+                      <a:headEnd type="none" w="med" len="med"/>
+                      <a:tailEnd type="none" w="med" len="med"/>
+                    </a:lnB>
+                    <a:lnTlToBr w="12700" cmpd="sng">
+                      <a:noFill/>
+                      <a:prstDash val="solid"/>
+                    </a:lnTlToBr>
+                    <a:lnBlToTr w="12700" cmpd="sng">
+                      <a:noFill/>
+                      <a:prstDash val="solid"/>
+                    </a:lnBlToTr>
+                  </a:tcPr>
+                </a:tc>
+              </a:tr>
+            </a:tbl>
+          </a:graphicData>
+        </a:graphic>
+      </p:graphicFrame>
+      <p:sp>
+        <p:nvSpPr>
+          <p:cNvPr id="6" name="TextBox 5"/>
+          <p:cNvSpPr txBox="1"/>
+          <p:nvPr/>
+        </p:nvSpPr>
+        <p:spPr>
+          <a:xfrm>
+            <a:off x="8244408" y="6351131"/>
+            <a:ext cx="792088" cy="246221"/>
+          </a:xfrm>
+          <a:prstGeom prst="rect">
+            <a:avLst/>
+          </a:prstGeom>
+        </p:spPr>
+        <p:style>
+          <a:lnRef idx="3">
+            <a:schemeClr val="lt1"/>
+          </a:lnRef>
+          <a:fillRef idx="1">
+            <a:schemeClr val="accent1"/>
+          </a:fillRef>
+          <a:effectRef idx="1">
+            <a:schemeClr val="accent1"/>
+          </a:effectRef>
+          <a:fontRef idx="minor">
+            <a:schemeClr val="lt1"/>
+          </a:fontRef>
+        </p:style>
+        <p:txBody>
+          <a:bodyPr wrap="square" rtlCol="0">
+            <a:spAutoFit/>
+          </a:bodyPr>
+          <a:lstStyle/>
+          <a:p>
+            <a:pPr algn="ctr"/>
+            <a:r>
+              <a:rPr lang="en-US" altLang="ko-KR" sz="1000" b="1" dirty="0" smtClean="0"/>
+              <a:t>CANCLE</a:t>
+            </a:r>
+            <a:endParaRPr lang="ko-KR" altLang="en-US" sz="1000" b="1" dirty="0"/>
+          </a:p>
+        </p:txBody>
+      </p:sp>
+      <p:sp>
+        <p:nvSpPr>
+          <p:cNvPr id="7" name="TextBox 6"/>
+          <p:cNvSpPr txBox="1"/>
+          <p:nvPr/>
+        </p:nvSpPr>
+        <p:spPr>
+          <a:xfrm>
+            <a:off x="7524328" y="6351131"/>
+            <a:ext cx="648072" cy="246221"/>
+          </a:xfrm>
+          <a:prstGeom prst="rect">
+            <a:avLst/>
+          </a:prstGeom>
+        </p:spPr>
+        <p:style>
+          <a:lnRef idx="3">
+            <a:schemeClr val="lt1"/>
+          </a:lnRef>
+          <a:fillRef idx="1">
+            <a:schemeClr val="accent1"/>
+          </a:fillRef>
+          <a:effectRef idx="1">
+            <a:schemeClr val="accent1"/>
+          </a:effectRef>
+          <a:fontRef idx="minor">
+            <a:schemeClr val="lt1"/>
+          </a:fontRef>
+        </p:style>
+        <p:txBody>
+          <a:bodyPr wrap="square" rtlCol="0">
+            <a:spAutoFit/>
+          </a:bodyPr>
+          <a:lstStyle/>
+          <a:p>
+            <a:pPr algn="ctr"/>
+            <a:r>
+              <a:rPr lang="en-US" altLang="ko-KR" sz="1000" b="1" dirty="0" smtClean="0"/>
+              <a:t>SAVE</a:t>
+            </a:r>
+            <a:endParaRPr lang="ko-KR" altLang="en-US" sz="1000" b="1" dirty="0"/>
+          </a:p>
+        </p:txBody>
+      </p:sp>
+      <p:sp>
+        <p:nvSpPr>
+          <p:cNvPr id="8" name="TextBox 7"/>
+          <p:cNvSpPr txBox="1"/>
+          <p:nvPr/>
+        </p:nvSpPr>
+        <p:spPr>
+          <a:xfrm>
+            <a:off x="6588224" y="908720"/>
+            <a:ext cx="1584176" cy="246221"/>
+          </a:xfrm>
+          <a:prstGeom prst="rect">
+            <a:avLst/>
+          </a:prstGeom>
+        </p:spPr>
+        <p:style>
+          <a:lnRef idx="2">
+            <a:schemeClr val="dk1"/>
+          </a:lnRef>
+          <a:fillRef idx="1">
+            <a:schemeClr val="lt1"/>
+          </a:fillRef>
+          <a:effectRef idx="0">
+            <a:schemeClr val="dk1"/>
+          </a:effectRef>
+          <a:fontRef idx="minor">
+            <a:schemeClr val="dk1"/>
+          </a:fontRef>
+        </p:style>
+        <p:txBody>
+          <a:bodyPr wrap="square" rtlCol="0">
+            <a:spAutoFit/>
+          </a:bodyPr>
+          <a:lstStyle/>
+          <a:p>
+            <a:endParaRPr lang="ko-KR" altLang="en-US" sz="1000" dirty="0"/>
+          </a:p>
+        </p:txBody>
+      </p:sp>
+      <p:sp>
+        <p:nvSpPr>
+          <p:cNvPr id="9" name="TextBox 8"/>
+          <p:cNvSpPr txBox="1"/>
+          <p:nvPr/>
+        </p:nvSpPr>
+        <p:spPr>
+          <a:xfrm>
+            <a:off x="8316416" y="908720"/>
+            <a:ext cx="648072" cy="246221"/>
+          </a:xfrm>
+          <a:prstGeom prst="rect">
+            <a:avLst/>
+          </a:prstGeom>
+        </p:spPr>
+        <p:style>
+          <a:lnRef idx="3">
+            <a:schemeClr val="lt1"/>
+          </a:lnRef>
+          <a:fillRef idx="1">
+            <a:schemeClr val="accent1"/>
+          </a:fillRef>
+          <a:effectRef idx="1">
+            <a:schemeClr val="accent1"/>
+          </a:effectRef>
+          <a:fontRef idx="minor">
+            <a:schemeClr val="lt1"/>
+          </a:fontRef>
+        </p:style>
+        <p:txBody>
+          <a:bodyPr wrap="square" rtlCol="0">
+            <a:spAutoFit/>
+          </a:bodyPr>
+          <a:lstStyle/>
+          <a:p>
+            <a:pPr algn="ctr"/>
+            <a:r>
+              <a:rPr lang="ko-KR" altLang="en-US" sz="1000" b="1" dirty="0" smtClean="0"/>
+              <a:t>검색</a:t>
+            </a:r>
+            <a:endParaRPr lang="ko-KR" altLang="en-US" sz="1000" b="1" dirty="0"/>
+          </a:p>
+        </p:txBody>
+      </p:sp>
+    </p:spTree>
+  </p:cSld>
+  <p:clrMapOvr>
+    <a:masterClrMapping/>
+  </p:clrMapOvr>
+</p:sld>
+</file>
+
+<file path=ppt/slides/slide4.xml><?xml version="1.0" encoding="utf-8"?>
+<p:sld xmlns:a="http://schemas.openxmlformats.org/drawingml/2006/main" xmlns:r="http://schemas.openxmlformats.org/officeDocument/2006/relationships" xmlns:p="http://schemas.openxmlformats.org/presentationml/2006/main">
+  <p:cSld>
+    <p:spTree>
+      <p:nvGrpSpPr>
+        <p:cNvPr id="1" name=""/>
+        <p:cNvGrpSpPr/>
+        <p:nvPr/>
+      </p:nvGrpSpPr>
+      <p:grpSpPr>
+        <a:xfrm>
+          <a:off x="0" y="0"/>
+          <a:ext cx="0" cy="0"/>
+          <a:chOff x="0" y="0"/>
+          <a:chExt cx="0" cy="0"/>
+        </a:xfrm>
+      </p:grpSpPr>
+      <p:sp>
+        <p:nvSpPr>
+          <p:cNvPr id="4" name="TextBox 3"/>
+          <p:cNvSpPr txBox="1"/>
+          <p:nvPr/>
+        </p:nvSpPr>
+        <p:spPr>
+          <a:xfrm>
+            <a:off x="827584" y="476672"/>
+            <a:ext cx="2060179" cy="369332"/>
+          </a:xfrm>
+          <a:prstGeom prst="rect">
+            <a:avLst/>
+          </a:prstGeom>
+          <a:noFill/>
+        </p:spPr>
+        <p:txBody>
+          <a:bodyPr wrap="none" rtlCol="0">
+            <a:spAutoFit/>
+          </a:bodyPr>
+          <a:lstStyle/>
+          <a:p>
+            <a:r>
+              <a:rPr lang="ko-KR" altLang="en-US" b="1" spc="-300" dirty="0" smtClean="0">
+                <a:effectLst>
+                  <a:outerShdw blurRad="38100" dist="38100" dir="2700000" algn="tl">
+                    <a:srgbClr val="000000">
+                      <a:alpha val="43137"/>
+                    </a:srgbClr>
+                  </a:outerShdw>
+                </a:effectLst>
+              </a:rPr>
+              <a:t>자유게시판 </a:t>
+            </a:r>
+            <a:r>
+              <a:rPr lang="en-US" altLang="ko-KR" b="1" spc="-300" dirty="0" smtClean="0">
+                <a:effectLst>
+                  <a:outerShdw blurRad="38100" dist="38100" dir="2700000" algn="tl">
+                    <a:srgbClr val="000000">
+                      <a:alpha val="43137"/>
+                    </a:srgbClr>
+                  </a:outerShdw>
+                </a:effectLst>
+              </a:rPr>
+              <a:t>- </a:t>
+            </a:r>
+            <a:r>
+              <a:rPr lang="ko-KR" altLang="en-US" b="1" spc="-300" dirty="0" smtClean="0">
+                <a:effectLst>
+                  <a:outerShdw blurRad="38100" dist="38100" dir="2700000" algn="tl">
+                    <a:srgbClr val="000000">
+                      <a:alpha val="43137"/>
+                    </a:srgbClr>
+                  </a:outerShdw>
+                </a:effectLst>
+              </a:rPr>
+              <a:t>수정하기</a:t>
+            </a:r>
+            <a:endParaRPr lang="ko-KR" altLang="en-US" b="1" spc="-300" dirty="0">
+              <a:effectLst>
+                <a:outerShdw blurRad="38100" dist="38100" dir="2700000" algn="tl">
+                  <a:srgbClr val="000000">
+                    <a:alpha val="43137"/>
+                  </a:srgbClr>
+                </a:outerShdw>
+              </a:effectLst>
+            </a:endParaRPr>
+          </a:p>
+        </p:txBody>
+      </p:sp>
+      <p:graphicFrame>
+        <p:nvGraphicFramePr>
+          <p:cNvPr id="5" name="내용 개체 틀 3"/>
+          <p:cNvGraphicFramePr>
+            <a:graphicFrameLocks/>
+          </p:cNvGraphicFramePr>
+          <p:nvPr/>
+        </p:nvGraphicFramePr>
+        <p:xfrm>
+          <a:off x="878904" y="1268760"/>
+          <a:ext cx="8229600" cy="5007909"/>
+        </p:xfrm>
+        <a:graphic>
+          <a:graphicData uri="http://schemas.openxmlformats.org/drawingml/2006/table">
+            <a:tbl>
+              <a:tblPr firstRow="1" bandRow="1">
+                <a:tableStyleId>{5C22544A-7EE6-4342-B048-85BDC9FD1C3A}</a:tableStyleId>
+              </a:tblPr>
+              <a:tblGrid>
+                <a:gridCol w="1676872"/>
+                <a:gridCol w="6552728"/>
+              </a:tblGrid>
+              <a:tr h="432048">
+                <a:tc gridSpan="2">
+                  <a:txBody>
+                    <a:bodyPr/>
+                    <a:lstStyle/>
+                    <a:p>
+                      <a:pPr algn="l" latinLnBrk="1"/>
+                      <a:r>
+                        <a:rPr lang="en-US" altLang="ko-KR" b="1" spc="-300" baseline="0" dirty="0" smtClean="0">
+                          <a:latin typeface="맑은 고딕" pitchFamily="50" charset="-127"/>
+                          <a:ea typeface="맑은 고딕" pitchFamily="50" charset="-127"/>
+                        </a:rPr>
+                        <a:t>UPDATE  MESSAGE</a:t>
                       </a:r>
                       <a:endParaRPr lang="ko-KR" altLang="en-US" b="1" spc="-300" dirty="0">
                         <a:latin typeface="맑은 고딕" pitchFamily="50" charset="-127"/>
